--- a/intro to UI framework and libraries.pptx
+++ b/intro to UI framework and libraries.pptx
@@ -21,6 +21,9 @@
     <p:sldId id="271" r:id="rId15"/>
     <p:sldId id="272" r:id="rId16"/>
     <p:sldId id="273" r:id="rId17"/>
+    <p:sldId id="274" r:id="rId18"/>
+    <p:sldId id="275" r:id="rId19"/>
+    <p:sldId id="276" r:id="rId20"/>
   </p:sldIdLst>
   <p:sldSz cx="12192000" cy="6858000"/>
   <p:notesSz cx="6858000" cy="9144000"/>
@@ -152,6 +155,9 @@
             <p14:sldId id="271"/>
             <p14:sldId id="272"/>
             <p14:sldId id="273"/>
+            <p14:sldId id="274"/>
+            <p14:sldId id="275"/>
+            <p14:sldId id="276"/>
           </p14:sldIdLst>
         </p14:section>
       </p14:sectionLst>
@@ -310,7 +316,7 @@
           <a:p>
             <a:fld id="{0861BBB3-5873-47FB-9A67-B7AC0A5ADD08}" type="datetimeFigureOut">
               <a:rPr lang="en-US" smtClean="0"/>
-              <a:t>5/13/2024</a:t>
+              <a:t>5/14/2024</a:t>
             </a:fld>
             <a:endParaRPr lang="en-US"/>
           </a:p>
@@ -508,7 +514,7 @@
           <a:p>
             <a:fld id="{0861BBB3-5873-47FB-9A67-B7AC0A5ADD08}" type="datetimeFigureOut">
               <a:rPr lang="en-US" smtClean="0"/>
-              <a:t>5/13/2024</a:t>
+              <a:t>5/14/2024</a:t>
             </a:fld>
             <a:endParaRPr lang="en-US"/>
           </a:p>
@@ -716,7 +722,7 @@
           <a:p>
             <a:fld id="{0861BBB3-5873-47FB-9A67-B7AC0A5ADD08}" type="datetimeFigureOut">
               <a:rPr lang="en-US" smtClean="0"/>
-              <a:t>5/13/2024</a:t>
+              <a:t>5/14/2024</a:t>
             </a:fld>
             <a:endParaRPr lang="en-US"/>
           </a:p>
@@ -914,7 +920,7 @@
           <a:p>
             <a:fld id="{0861BBB3-5873-47FB-9A67-B7AC0A5ADD08}" type="datetimeFigureOut">
               <a:rPr lang="en-US" smtClean="0"/>
-              <a:t>5/13/2024</a:t>
+              <a:t>5/14/2024</a:t>
             </a:fld>
             <a:endParaRPr lang="en-US"/>
           </a:p>
@@ -1189,7 +1195,7 @@
           <a:p>
             <a:fld id="{0861BBB3-5873-47FB-9A67-B7AC0A5ADD08}" type="datetimeFigureOut">
               <a:rPr lang="en-US" smtClean="0"/>
-              <a:t>5/13/2024</a:t>
+              <a:t>5/14/2024</a:t>
             </a:fld>
             <a:endParaRPr lang="en-US"/>
           </a:p>
@@ -1454,7 +1460,7 @@
           <a:p>
             <a:fld id="{0861BBB3-5873-47FB-9A67-B7AC0A5ADD08}" type="datetimeFigureOut">
               <a:rPr lang="en-US" smtClean="0"/>
-              <a:t>5/13/2024</a:t>
+              <a:t>5/14/2024</a:t>
             </a:fld>
             <a:endParaRPr lang="en-US"/>
           </a:p>
@@ -1866,7 +1872,7 @@
           <a:p>
             <a:fld id="{0861BBB3-5873-47FB-9A67-B7AC0A5ADD08}" type="datetimeFigureOut">
               <a:rPr lang="en-US" smtClean="0"/>
-              <a:t>5/13/2024</a:t>
+              <a:t>5/14/2024</a:t>
             </a:fld>
             <a:endParaRPr lang="en-US"/>
           </a:p>
@@ -2007,7 +2013,7 @@
           <a:p>
             <a:fld id="{0861BBB3-5873-47FB-9A67-B7AC0A5ADD08}" type="datetimeFigureOut">
               <a:rPr lang="en-US" smtClean="0"/>
-              <a:t>5/13/2024</a:t>
+              <a:t>5/14/2024</a:t>
             </a:fld>
             <a:endParaRPr lang="en-US"/>
           </a:p>
@@ -2120,7 +2126,7 @@
           <a:p>
             <a:fld id="{0861BBB3-5873-47FB-9A67-B7AC0A5ADD08}" type="datetimeFigureOut">
               <a:rPr lang="en-US" smtClean="0"/>
-              <a:t>5/13/2024</a:t>
+              <a:t>5/14/2024</a:t>
             </a:fld>
             <a:endParaRPr lang="en-US"/>
           </a:p>
@@ -2431,7 +2437,7 @@
           <a:p>
             <a:fld id="{0861BBB3-5873-47FB-9A67-B7AC0A5ADD08}" type="datetimeFigureOut">
               <a:rPr lang="en-US" smtClean="0"/>
-              <a:t>5/13/2024</a:t>
+              <a:t>5/14/2024</a:t>
             </a:fld>
             <a:endParaRPr lang="en-US"/>
           </a:p>
@@ -2719,7 +2725,7 @@
           <a:p>
             <a:fld id="{0861BBB3-5873-47FB-9A67-B7AC0A5ADD08}" type="datetimeFigureOut">
               <a:rPr lang="en-US" smtClean="0"/>
-              <a:t>5/13/2024</a:t>
+              <a:t>5/14/2024</a:t>
             </a:fld>
             <a:endParaRPr lang="en-US"/>
           </a:p>
@@ -2960,7 +2966,7 @@
           <a:p>
             <a:fld id="{0861BBB3-5873-47FB-9A67-B7AC0A5ADD08}" type="datetimeFigureOut">
               <a:rPr lang="en-US" smtClean="0"/>
-              <a:t>5/13/2024</a:t>
+              <a:t>5/14/2024</a:t>
             </a:fld>
             <a:endParaRPr lang="en-US"/>
           </a:p>
@@ -4350,6 +4356,313 @@
     <p:extLst>
       <p:ext uri="{BB962C8B-B14F-4D97-AF65-F5344CB8AC3E}">
         <p14:creationId xmlns:p14="http://schemas.microsoft.com/office/powerpoint/2010/main" val="2640245442"/>
+      </p:ext>
+    </p:extLst>
+  </p:cSld>
+  <p:clrMapOvr>
+    <a:masterClrMapping/>
+  </p:clrMapOvr>
+</p:sld>
+</file>
+
+<file path=ppt/slides/slide17.xml><?xml version="1.0" encoding="utf-8"?>
+<p:sld xmlns:a="http://schemas.openxmlformats.org/drawingml/2006/main" xmlns:r="http://schemas.openxmlformats.org/officeDocument/2006/relationships" xmlns:p="http://schemas.openxmlformats.org/presentationml/2006/main">
+  <p:cSld>
+    <p:spTree>
+      <p:nvGrpSpPr>
+        <p:cNvPr id="1" name=""/>
+        <p:cNvGrpSpPr/>
+        <p:nvPr/>
+      </p:nvGrpSpPr>
+      <p:grpSpPr>
+        <a:xfrm>
+          <a:off x="0" y="0"/>
+          <a:ext cx="0" cy="0"/>
+          <a:chOff x="0" y="0"/>
+          <a:chExt cx="0" cy="0"/>
+        </a:xfrm>
+      </p:grpSpPr>
+      <p:pic>
+        <p:nvPicPr>
+          <p:cNvPr id="5" name="Picture 4" descr="A close up of a logo&#10;&#10;Description automatically generated">
+            <a:extLst>
+              <a:ext uri="{FF2B5EF4-FFF2-40B4-BE49-F238E27FC236}">
+                <a16:creationId xmlns:a16="http://schemas.microsoft.com/office/drawing/2014/main" id="{E5932B85-DB32-0EE9-0CCF-C742BCA081FA}"/>
+              </a:ext>
+            </a:extLst>
+          </p:cNvPr>
+          <p:cNvPicPr>
+            <a:picLocks noChangeAspect="1"/>
+          </p:cNvPicPr>
+          <p:nvPr/>
+        </p:nvPicPr>
+        <p:blipFill>
+          <a:blip r:embed="rId2">
+            <a:extLst>
+              <a:ext uri="{28A0092B-C50C-407E-A947-70E740481C1C}">
+                <a14:useLocalDpi xmlns:a14="http://schemas.microsoft.com/office/drawing/2010/main" val="0"/>
+              </a:ext>
+            </a:extLst>
+          </a:blip>
+          <a:stretch>
+            <a:fillRect/>
+          </a:stretch>
+        </p:blipFill>
+        <p:spPr>
+          <a:xfrm>
+            <a:off x="1756757" y="856891"/>
+            <a:ext cx="8678486" cy="5144218"/>
+          </a:xfrm>
+          <a:prstGeom prst="rect">
+            <a:avLst/>
+          </a:prstGeom>
+        </p:spPr>
+      </p:pic>
+    </p:spTree>
+    <p:extLst>
+      <p:ext uri="{BB962C8B-B14F-4D97-AF65-F5344CB8AC3E}">
+        <p14:creationId xmlns:p14="http://schemas.microsoft.com/office/powerpoint/2010/main" val="3102175166"/>
+      </p:ext>
+    </p:extLst>
+  </p:cSld>
+  <p:clrMapOvr>
+    <a:masterClrMapping/>
+  </p:clrMapOvr>
+</p:sld>
+</file>
+
+<file path=ppt/slides/slide18.xml><?xml version="1.0" encoding="utf-8"?>
+<p:sld xmlns:a="http://schemas.openxmlformats.org/drawingml/2006/main" xmlns:r="http://schemas.openxmlformats.org/officeDocument/2006/relationships" xmlns:p="http://schemas.openxmlformats.org/presentationml/2006/main">
+  <p:cSld>
+    <p:spTree>
+      <p:nvGrpSpPr>
+        <p:cNvPr id="1" name=""/>
+        <p:cNvGrpSpPr/>
+        <p:nvPr/>
+      </p:nvGrpSpPr>
+      <p:grpSpPr>
+        <a:xfrm>
+          <a:off x="0" y="0"/>
+          <a:ext cx="0" cy="0"/>
+          <a:chOff x="0" y="0"/>
+          <a:chExt cx="0" cy="0"/>
+        </a:xfrm>
+      </p:grpSpPr>
+      <p:sp>
+        <p:nvSpPr>
+          <p:cNvPr id="2" name="Title 1">
+            <a:extLst>
+              <a:ext uri="{FF2B5EF4-FFF2-40B4-BE49-F238E27FC236}">
+                <a16:creationId xmlns:a16="http://schemas.microsoft.com/office/drawing/2014/main" id="{BE07EF19-AAA1-170A-0B65-725C35779F2F}"/>
+              </a:ext>
+            </a:extLst>
+          </p:cNvPr>
+          <p:cNvSpPr>
+            <a:spLocks noGrp="1"/>
+          </p:cNvSpPr>
+          <p:nvPr>
+            <p:ph type="title"/>
+          </p:nvPr>
+        </p:nvSpPr>
+        <p:spPr/>
+        <p:txBody>
+          <a:bodyPr/>
+          <a:lstStyle/>
+          <a:p>
+            <a:endParaRPr lang="en-US"/>
+          </a:p>
+        </p:txBody>
+      </p:sp>
+      <p:pic>
+        <p:nvPicPr>
+          <p:cNvPr id="5" name="Picture 4" descr="A computer screen with text&#10;&#10;Description automatically generated">
+            <a:extLst>
+              <a:ext uri="{FF2B5EF4-FFF2-40B4-BE49-F238E27FC236}">
+                <a16:creationId xmlns:a16="http://schemas.microsoft.com/office/drawing/2014/main" id="{6FEB176C-7624-02BA-A851-2D1CD2F56D99}"/>
+              </a:ext>
+            </a:extLst>
+          </p:cNvPr>
+          <p:cNvPicPr>
+            <a:picLocks noChangeAspect="1"/>
+          </p:cNvPicPr>
+          <p:nvPr/>
+        </p:nvPicPr>
+        <p:blipFill>
+          <a:blip r:embed="rId2">
+            <a:extLst>
+              <a:ext uri="{28A0092B-C50C-407E-A947-70E740481C1C}">
+                <a14:useLocalDpi xmlns:a14="http://schemas.microsoft.com/office/drawing/2010/main" val="0"/>
+              </a:ext>
+            </a:extLst>
+          </a:blip>
+          <a:stretch>
+            <a:fillRect/>
+          </a:stretch>
+        </p:blipFill>
+        <p:spPr>
+          <a:xfrm>
+            <a:off x="1204230" y="2081024"/>
+            <a:ext cx="9783540" cy="2695951"/>
+          </a:xfrm>
+          <a:prstGeom prst="rect">
+            <a:avLst/>
+          </a:prstGeom>
+        </p:spPr>
+      </p:pic>
+      <p:pic>
+        <p:nvPicPr>
+          <p:cNvPr id="7" name="Picture 6" descr="A black background with white text&#10;&#10;Description automatically generated">
+            <a:extLst>
+              <a:ext uri="{FF2B5EF4-FFF2-40B4-BE49-F238E27FC236}">
+                <a16:creationId xmlns:a16="http://schemas.microsoft.com/office/drawing/2014/main" id="{AA58C7EC-E126-8BFC-7652-FA778238C766}"/>
+              </a:ext>
+            </a:extLst>
+          </p:cNvPr>
+          <p:cNvPicPr>
+            <a:picLocks noChangeAspect="1"/>
+          </p:cNvPicPr>
+          <p:nvPr/>
+        </p:nvPicPr>
+        <p:blipFill>
+          <a:blip r:embed="rId3">
+            <a:extLst>
+              <a:ext uri="{28A0092B-C50C-407E-A947-70E740481C1C}">
+                <a14:useLocalDpi xmlns:a14="http://schemas.microsoft.com/office/drawing/2010/main" val="0"/>
+              </a:ext>
+            </a:extLst>
+          </a:blip>
+          <a:stretch>
+            <a:fillRect/>
+          </a:stretch>
+        </p:blipFill>
+        <p:spPr>
+          <a:xfrm>
+            <a:off x="1762000" y="4997241"/>
+            <a:ext cx="8392696" cy="1495634"/>
+          </a:xfrm>
+          <a:prstGeom prst="rect">
+            <a:avLst/>
+          </a:prstGeom>
+        </p:spPr>
+      </p:pic>
+    </p:spTree>
+    <p:extLst>
+      <p:ext uri="{BB962C8B-B14F-4D97-AF65-F5344CB8AC3E}">
+        <p14:creationId xmlns:p14="http://schemas.microsoft.com/office/powerpoint/2010/main" val="3933047741"/>
+      </p:ext>
+    </p:extLst>
+  </p:cSld>
+  <p:clrMapOvr>
+    <a:masterClrMapping/>
+  </p:clrMapOvr>
+</p:sld>
+</file>
+
+<file path=ppt/slides/slide19.xml><?xml version="1.0" encoding="utf-8"?>
+<p:sld xmlns:a="http://schemas.openxmlformats.org/drawingml/2006/main" xmlns:r="http://schemas.openxmlformats.org/officeDocument/2006/relationships" xmlns:p="http://schemas.openxmlformats.org/presentationml/2006/main">
+  <p:cSld>
+    <p:spTree>
+      <p:nvGrpSpPr>
+        <p:cNvPr id="1" name=""/>
+        <p:cNvGrpSpPr/>
+        <p:nvPr/>
+      </p:nvGrpSpPr>
+      <p:grpSpPr>
+        <a:xfrm>
+          <a:off x="0" y="0"/>
+          <a:ext cx="0" cy="0"/>
+          <a:chOff x="0" y="0"/>
+          <a:chExt cx="0" cy="0"/>
+        </a:xfrm>
+      </p:grpSpPr>
+      <p:sp>
+        <p:nvSpPr>
+          <p:cNvPr id="2" name="Title 1">
+            <a:extLst>
+              <a:ext uri="{FF2B5EF4-FFF2-40B4-BE49-F238E27FC236}">
+                <a16:creationId xmlns:a16="http://schemas.microsoft.com/office/drawing/2014/main" id="{937A1E7F-99B7-40E4-0404-C846773E39E7}"/>
+              </a:ext>
+            </a:extLst>
+          </p:cNvPr>
+          <p:cNvSpPr>
+            <a:spLocks noGrp="1"/>
+          </p:cNvSpPr>
+          <p:nvPr>
+            <p:ph type="title"/>
+          </p:nvPr>
+        </p:nvSpPr>
+        <p:spPr/>
+        <p:txBody>
+          <a:bodyPr/>
+          <a:lstStyle/>
+          <a:p>
+            <a:r>
+              <a:rPr lang="en-US" b="1" i="0" dirty="0">
+                <a:solidFill>
+                  <a:srgbClr val="1F1F1F"/>
+                </a:solidFill>
+                <a:effectLst/>
+                <a:highlight>
+                  <a:srgbClr val="FFFFFF"/>
+                </a:highlight>
+              </a:rPr>
+              <a:t>Using Bootstrap documentation</a:t>
+            </a:r>
+            <a:br>
+              <a:rPr lang="en-US" b="1" i="0" dirty="0">
+                <a:solidFill>
+                  <a:srgbClr val="1F1F1F"/>
+                </a:solidFill>
+                <a:effectLst/>
+                <a:highlight>
+                  <a:srgbClr val="FFFFFF"/>
+                </a:highlight>
+              </a:rPr>
+            </a:br>
+            <a:endParaRPr lang="en-US" dirty="0"/>
+          </a:p>
+        </p:txBody>
+      </p:sp>
+      <p:sp>
+        <p:nvSpPr>
+          <p:cNvPr id="3" name="Content Placeholder 2">
+            <a:extLst>
+              <a:ext uri="{FF2B5EF4-FFF2-40B4-BE49-F238E27FC236}">
+                <a16:creationId xmlns:a16="http://schemas.microsoft.com/office/drawing/2014/main" id="{722CB2F1-00E9-756D-894C-8EA2E2DE81E1}"/>
+              </a:ext>
+            </a:extLst>
+          </p:cNvPr>
+          <p:cNvSpPr>
+            <a:spLocks noGrp="1"/>
+          </p:cNvSpPr>
+          <p:nvPr>
+            <p:ph idx="1"/>
+          </p:nvPr>
+        </p:nvSpPr>
+        <p:spPr/>
+        <p:txBody>
+          <a:bodyPr/>
+          <a:lstStyle/>
+          <a:p>
+            <a:r>
+              <a:rPr lang="en-US" b="0" i="0" u="sng" dirty="0">
+                <a:effectLst/>
+                <a:highlight>
+                  <a:srgbClr val="FFFFFF"/>
+                </a:highlight>
+                <a:latin typeface="Source Sans Pro" panose="020B0503030403020204" pitchFamily="34" charset="0"/>
+                <a:hlinkClick r:id="rId2" tooltip="Bootstrap link"/>
+              </a:rPr>
+              <a:t>https://getbootstrap.com/docs</a:t>
+            </a:r>
+            <a:endParaRPr lang="en-US" dirty="0"/>
+          </a:p>
+        </p:txBody>
+      </p:sp>
+    </p:spTree>
+    <p:extLst>
+      <p:ext uri="{BB962C8B-B14F-4D97-AF65-F5344CB8AC3E}">
+        <p14:creationId xmlns:p14="http://schemas.microsoft.com/office/powerpoint/2010/main" val="410902772"/>
       </p:ext>
     </p:extLst>
   </p:cSld>

--- a/intro to UI framework and libraries.pptx
+++ b/intro to UI framework and libraries.pptx
@@ -24,6 +24,7 @@
     <p:sldId id="274" r:id="rId18"/>
     <p:sldId id="275" r:id="rId19"/>
     <p:sldId id="276" r:id="rId20"/>
+    <p:sldId id="277" r:id="rId21"/>
   </p:sldIdLst>
   <p:sldSz cx="12192000" cy="6858000"/>
   <p:notesSz cx="6858000" cy="9144000"/>
@@ -158,6 +159,7 @@
             <p14:sldId id="274"/>
             <p14:sldId id="275"/>
             <p14:sldId id="276"/>
+            <p14:sldId id="277"/>
           </p14:sldIdLst>
         </p14:section>
       </p14:sectionLst>
@@ -4830,6 +4832,388 @@
     <p:extLst>
       <p:ext uri="{BB962C8B-B14F-4D97-AF65-F5344CB8AC3E}">
         <p14:creationId xmlns:p14="http://schemas.microsoft.com/office/powerpoint/2010/main" val="3208740763"/>
+      </p:ext>
+    </p:extLst>
+  </p:cSld>
+  <p:clrMapOvr>
+    <a:masterClrMapping/>
+  </p:clrMapOvr>
+</p:sld>
+</file>
+
+<file path=ppt/slides/slide20.xml><?xml version="1.0" encoding="utf-8"?>
+<p:sld xmlns:a="http://schemas.openxmlformats.org/drawingml/2006/main" xmlns:r="http://schemas.openxmlformats.org/officeDocument/2006/relationships" xmlns:p="http://schemas.openxmlformats.org/presentationml/2006/main">
+  <p:cSld>
+    <p:spTree>
+      <p:nvGrpSpPr>
+        <p:cNvPr id="1" name=""/>
+        <p:cNvGrpSpPr/>
+        <p:nvPr/>
+      </p:nvGrpSpPr>
+      <p:grpSpPr>
+        <a:xfrm>
+          <a:off x="0" y="0"/>
+          <a:ext cx="0" cy="0"/>
+          <a:chOff x="0" y="0"/>
+          <a:chExt cx="0" cy="0"/>
+        </a:xfrm>
+      </p:grpSpPr>
+      <p:sp>
+        <p:nvSpPr>
+          <p:cNvPr id="2" name="Title 1">
+            <a:extLst>
+              <a:ext uri="{FF2B5EF4-FFF2-40B4-BE49-F238E27FC236}">
+                <a16:creationId xmlns:a16="http://schemas.microsoft.com/office/drawing/2014/main" id="{F916FB8D-792B-90B9-7366-C8AE2E881855}"/>
+              </a:ext>
+            </a:extLst>
+          </p:cNvPr>
+          <p:cNvSpPr>
+            <a:spLocks noGrp="1"/>
+          </p:cNvSpPr>
+          <p:nvPr>
+            <p:ph type="title"/>
+          </p:nvPr>
+        </p:nvSpPr>
+        <p:spPr/>
+        <p:txBody>
+          <a:bodyPr/>
+          <a:lstStyle/>
+          <a:p>
+            <a:r>
+              <a:rPr lang="en-US" dirty="0"/>
+              <a:t>Knowledge check</a:t>
+            </a:r>
+          </a:p>
+        </p:txBody>
+      </p:sp>
+      <p:pic>
+        <p:nvPicPr>
+          <p:cNvPr id="5" name="Picture 4">
+            <a:extLst>
+              <a:ext uri="{FF2B5EF4-FFF2-40B4-BE49-F238E27FC236}">
+                <a16:creationId xmlns:a16="http://schemas.microsoft.com/office/drawing/2014/main" id="{08BFAADA-C644-22AE-7061-D81D3504E9BF}"/>
+              </a:ext>
+            </a:extLst>
+          </p:cNvPr>
+          <p:cNvPicPr>
+            <a:picLocks noChangeAspect="1"/>
+          </p:cNvPicPr>
+          <p:nvPr/>
+        </p:nvPicPr>
+        <p:blipFill>
+          <a:blip r:embed="rId2">
+            <a:extLst>
+              <a:ext uri="{28A0092B-C50C-407E-A947-70E740481C1C}">
+                <a14:useLocalDpi xmlns:a14="http://schemas.microsoft.com/office/drawing/2010/main" val="0"/>
+              </a:ext>
+            </a:extLst>
+          </a:blip>
+          <a:stretch>
+            <a:fillRect/>
+          </a:stretch>
+        </p:blipFill>
+        <p:spPr>
+          <a:xfrm>
+            <a:off x="838200" y="1836000"/>
+            <a:ext cx="6839905" cy="295316"/>
+          </a:xfrm>
+          <a:prstGeom prst="rect">
+            <a:avLst/>
+          </a:prstGeom>
+        </p:spPr>
+      </p:pic>
+      <p:pic>
+        <p:nvPicPr>
+          <p:cNvPr id="7" name="Picture 6">
+            <a:extLst>
+              <a:ext uri="{FF2B5EF4-FFF2-40B4-BE49-F238E27FC236}">
+                <a16:creationId xmlns:a16="http://schemas.microsoft.com/office/drawing/2014/main" id="{AD8F2F8B-DB7A-370B-9393-49EBEABEC6A3}"/>
+              </a:ext>
+            </a:extLst>
+          </p:cNvPr>
+          <p:cNvPicPr>
+            <a:picLocks noChangeAspect="1"/>
+          </p:cNvPicPr>
+          <p:nvPr/>
+        </p:nvPicPr>
+        <p:blipFill>
+          <a:blip r:embed="rId3">
+            <a:extLst>
+              <a:ext uri="{28A0092B-C50C-407E-A947-70E740481C1C}">
+                <a14:useLocalDpi xmlns:a14="http://schemas.microsoft.com/office/drawing/2010/main" val="0"/>
+              </a:ext>
+            </a:extLst>
+          </a:blip>
+          <a:stretch>
+            <a:fillRect/>
+          </a:stretch>
+        </p:blipFill>
+        <p:spPr>
+          <a:xfrm>
+            <a:off x="6096000" y="1690688"/>
+            <a:ext cx="885949" cy="304843"/>
+          </a:xfrm>
+          <a:prstGeom prst="rect">
+            <a:avLst/>
+          </a:prstGeom>
+        </p:spPr>
+      </p:pic>
+      <p:pic>
+        <p:nvPicPr>
+          <p:cNvPr id="9" name="Picture 8">
+            <a:extLst>
+              <a:ext uri="{FF2B5EF4-FFF2-40B4-BE49-F238E27FC236}">
+                <a16:creationId xmlns:a16="http://schemas.microsoft.com/office/drawing/2014/main" id="{217D55F1-EEBC-0033-E9DD-5BA6F2B59C3A}"/>
+              </a:ext>
+            </a:extLst>
+          </p:cNvPr>
+          <p:cNvPicPr>
+            <a:picLocks noChangeAspect="1"/>
+          </p:cNvPicPr>
+          <p:nvPr/>
+        </p:nvPicPr>
+        <p:blipFill>
+          <a:blip r:embed="rId4">
+            <a:extLst>
+              <a:ext uri="{28A0092B-C50C-407E-A947-70E740481C1C}">
+                <a14:useLocalDpi xmlns:a14="http://schemas.microsoft.com/office/drawing/2010/main" val="0"/>
+              </a:ext>
+            </a:extLst>
+          </a:blip>
+          <a:stretch>
+            <a:fillRect/>
+          </a:stretch>
+        </p:blipFill>
+        <p:spPr>
+          <a:xfrm>
+            <a:off x="971568" y="2347277"/>
+            <a:ext cx="6573167" cy="295316"/>
+          </a:xfrm>
+          <a:prstGeom prst="rect">
+            <a:avLst/>
+          </a:prstGeom>
+        </p:spPr>
+      </p:pic>
+      <p:pic>
+        <p:nvPicPr>
+          <p:cNvPr id="11" name="Picture 10">
+            <a:extLst>
+              <a:ext uri="{FF2B5EF4-FFF2-40B4-BE49-F238E27FC236}">
+                <a16:creationId xmlns:a16="http://schemas.microsoft.com/office/drawing/2014/main" id="{CE60923B-447A-A8B2-3ED4-6CECF9DF5A55}"/>
+              </a:ext>
+            </a:extLst>
+          </p:cNvPr>
+          <p:cNvPicPr>
+            <a:picLocks noChangeAspect="1"/>
+          </p:cNvPicPr>
+          <p:nvPr/>
+        </p:nvPicPr>
+        <p:blipFill>
+          <a:blip r:embed="rId5">
+            <a:extLst>
+              <a:ext uri="{28A0092B-C50C-407E-A947-70E740481C1C}">
+                <a14:useLocalDpi xmlns:a14="http://schemas.microsoft.com/office/drawing/2010/main" val="0"/>
+              </a:ext>
+            </a:extLst>
+          </a:blip>
+          <a:stretch>
+            <a:fillRect/>
+          </a:stretch>
+        </p:blipFill>
+        <p:spPr>
+          <a:xfrm>
+            <a:off x="6096000" y="2211492"/>
+            <a:ext cx="943107" cy="257211"/>
+          </a:xfrm>
+          <a:prstGeom prst="rect">
+            <a:avLst/>
+          </a:prstGeom>
+        </p:spPr>
+      </p:pic>
+      <p:pic>
+        <p:nvPicPr>
+          <p:cNvPr id="13" name="Picture 12">
+            <a:extLst>
+              <a:ext uri="{FF2B5EF4-FFF2-40B4-BE49-F238E27FC236}">
+                <a16:creationId xmlns:a16="http://schemas.microsoft.com/office/drawing/2014/main" id="{5C71E4BA-D477-BC01-6AB2-32B0128E2BC8}"/>
+              </a:ext>
+            </a:extLst>
+          </p:cNvPr>
+          <p:cNvPicPr>
+            <a:picLocks noChangeAspect="1"/>
+          </p:cNvPicPr>
+          <p:nvPr/>
+        </p:nvPicPr>
+        <p:blipFill>
+          <a:blip r:embed="rId6">
+            <a:extLst>
+              <a:ext uri="{28A0092B-C50C-407E-A947-70E740481C1C}">
+                <a14:useLocalDpi xmlns:a14="http://schemas.microsoft.com/office/drawing/2010/main" val="0"/>
+              </a:ext>
+            </a:extLst>
+          </a:blip>
+          <a:stretch>
+            <a:fillRect/>
+          </a:stretch>
+        </p:blipFill>
+        <p:spPr>
+          <a:xfrm>
+            <a:off x="971568" y="2836431"/>
+            <a:ext cx="7954485" cy="638264"/>
+          </a:xfrm>
+          <a:prstGeom prst="rect">
+            <a:avLst/>
+          </a:prstGeom>
+        </p:spPr>
+      </p:pic>
+      <p:pic>
+        <p:nvPicPr>
+          <p:cNvPr id="15" name="Picture 14">
+            <a:extLst>
+              <a:ext uri="{FF2B5EF4-FFF2-40B4-BE49-F238E27FC236}">
+                <a16:creationId xmlns:a16="http://schemas.microsoft.com/office/drawing/2014/main" id="{BE9FAFA9-03F9-13CD-D624-ABD744CCBD96}"/>
+              </a:ext>
+            </a:extLst>
+          </p:cNvPr>
+          <p:cNvPicPr>
+            <a:picLocks noChangeAspect="1"/>
+          </p:cNvPicPr>
+          <p:nvPr/>
+        </p:nvPicPr>
+        <p:blipFill>
+          <a:blip r:embed="rId7">
+            <a:extLst>
+              <a:ext uri="{28A0092B-C50C-407E-A947-70E740481C1C}">
+                <a14:useLocalDpi xmlns:a14="http://schemas.microsoft.com/office/drawing/2010/main" val="0"/>
+              </a:ext>
+            </a:extLst>
+          </a:blip>
+          <a:stretch>
+            <a:fillRect/>
+          </a:stretch>
+        </p:blipFill>
+        <p:spPr>
+          <a:xfrm>
+            <a:off x="1183194" y="3138129"/>
+            <a:ext cx="819264" cy="209579"/>
+          </a:xfrm>
+          <a:prstGeom prst="rect">
+            <a:avLst/>
+          </a:prstGeom>
+        </p:spPr>
+      </p:pic>
+      <p:pic>
+        <p:nvPicPr>
+          <p:cNvPr id="17" name="Picture 16">
+            <a:extLst>
+              <a:ext uri="{FF2B5EF4-FFF2-40B4-BE49-F238E27FC236}">
+                <a16:creationId xmlns:a16="http://schemas.microsoft.com/office/drawing/2014/main" id="{46C9D6CC-0E2E-C01E-446E-80522775BC95}"/>
+              </a:ext>
+            </a:extLst>
+          </p:cNvPr>
+          <p:cNvPicPr>
+            <a:picLocks noChangeAspect="1"/>
+          </p:cNvPicPr>
+          <p:nvPr/>
+        </p:nvPicPr>
+        <p:blipFill>
+          <a:blip r:embed="rId8">
+            <a:extLst>
+              <a:ext uri="{28A0092B-C50C-407E-A947-70E740481C1C}">
+                <a14:useLocalDpi xmlns:a14="http://schemas.microsoft.com/office/drawing/2010/main" val="0"/>
+              </a:ext>
+            </a:extLst>
+          </a:blip>
+          <a:stretch>
+            <a:fillRect/>
+          </a:stretch>
+        </p:blipFill>
+        <p:spPr>
+          <a:xfrm>
+            <a:off x="971568" y="3815375"/>
+            <a:ext cx="4610743" cy="276264"/>
+          </a:xfrm>
+          <a:prstGeom prst="rect">
+            <a:avLst/>
+          </a:prstGeom>
+        </p:spPr>
+      </p:pic>
+      <p:pic>
+        <p:nvPicPr>
+          <p:cNvPr id="19" name="Picture 18">
+            <a:extLst>
+              <a:ext uri="{FF2B5EF4-FFF2-40B4-BE49-F238E27FC236}">
+                <a16:creationId xmlns:a16="http://schemas.microsoft.com/office/drawing/2014/main" id="{55FEB6D8-563E-844E-B092-95A05A3FC555}"/>
+              </a:ext>
+            </a:extLst>
+          </p:cNvPr>
+          <p:cNvPicPr>
+            <a:picLocks noChangeAspect="1"/>
+          </p:cNvPicPr>
+          <p:nvPr/>
+        </p:nvPicPr>
+        <p:blipFill>
+          <a:blip r:embed="rId9">
+            <a:extLst>
+              <a:ext uri="{28A0092B-C50C-407E-A947-70E740481C1C}">
+                <a14:useLocalDpi xmlns:a14="http://schemas.microsoft.com/office/drawing/2010/main" val="0"/>
+              </a:ext>
+            </a:extLst>
+          </a:blip>
+          <a:stretch>
+            <a:fillRect/>
+          </a:stretch>
+        </p:blipFill>
+        <p:spPr>
+          <a:xfrm>
+            <a:off x="5582311" y="3858243"/>
+            <a:ext cx="771633" cy="190527"/>
+          </a:xfrm>
+          <a:prstGeom prst="rect">
+            <a:avLst/>
+          </a:prstGeom>
+        </p:spPr>
+      </p:pic>
+      <p:pic>
+        <p:nvPicPr>
+          <p:cNvPr id="21" name="Picture 20" descr="A close-up of a computer screen&#10;&#10;Description automatically generated">
+            <a:extLst>
+              <a:ext uri="{FF2B5EF4-FFF2-40B4-BE49-F238E27FC236}">
+                <a16:creationId xmlns:a16="http://schemas.microsoft.com/office/drawing/2014/main" id="{7CEF443D-0068-5EC9-0102-D82DA0F805C8}"/>
+              </a:ext>
+            </a:extLst>
+          </p:cNvPr>
+          <p:cNvPicPr>
+            <a:picLocks noChangeAspect="1"/>
+          </p:cNvPicPr>
+          <p:nvPr/>
+        </p:nvPicPr>
+        <p:blipFill>
+          <a:blip r:embed="rId10">
+            <a:extLst>
+              <a:ext uri="{28A0092B-C50C-407E-A947-70E740481C1C}">
+                <a14:useLocalDpi xmlns:a14="http://schemas.microsoft.com/office/drawing/2010/main" val="0"/>
+              </a:ext>
+            </a:extLst>
+          </a:blip>
+          <a:stretch>
+            <a:fillRect/>
+          </a:stretch>
+        </p:blipFill>
+        <p:spPr>
+          <a:xfrm>
+            <a:off x="971568" y="4475187"/>
+            <a:ext cx="7411484" cy="2057687"/>
+          </a:xfrm>
+          <a:prstGeom prst="rect">
+            <a:avLst/>
+          </a:prstGeom>
+        </p:spPr>
+      </p:pic>
+    </p:spTree>
+    <p:extLst>
+      <p:ext uri="{BB962C8B-B14F-4D97-AF65-F5344CB8AC3E}">
+        <p14:creationId xmlns:p14="http://schemas.microsoft.com/office/powerpoint/2010/main" val="3159150247"/>
       </p:ext>
     </p:extLst>
   </p:cSld>
